--- a/documentation/about/Maksimukv-football-shortened.pptx
+++ b/documentation/about/Maksimukv-football-shortened.pptx
@@ -8,13 +8,14 @@
     <p:sldId id="256" r:id="rId2"/>
     <p:sldId id="270" r:id="rId3"/>
     <p:sldId id="257" r:id="rId4"/>
-    <p:sldId id="258" r:id="rId5"/>
-    <p:sldId id="259" r:id="rId6"/>
-    <p:sldId id="261" r:id="rId7"/>
-    <p:sldId id="265" r:id="rId8"/>
-    <p:sldId id="266" r:id="rId9"/>
-    <p:sldId id="268" r:id="rId10"/>
-    <p:sldId id="269" r:id="rId11"/>
+    <p:sldId id="271" r:id="rId5"/>
+    <p:sldId id="258" r:id="rId6"/>
+    <p:sldId id="259" r:id="rId7"/>
+    <p:sldId id="261" r:id="rId8"/>
+    <p:sldId id="265" r:id="rId9"/>
+    <p:sldId id="266" r:id="rId10"/>
+    <p:sldId id="268" r:id="rId11"/>
+    <p:sldId id="269" r:id="rId12"/>
   </p:sldIdLst>
   <p:sldSz cx="12192000" cy="6858000"/>
   <p:notesSz cx="6858000" cy="9144000"/>
@@ -171,7 +172,7 @@
           <a:noFill/>
           <a:extLst>
             <a:ext uri="{909E8E84-426E-40dd-AFC4-6F175D3DCCD1}">
-              <a14:hiddenFill xmlns:a14="http://schemas.microsoft.com/office/drawing/2010/main" xmlns="">
+              <a14:hiddenFill xmlns="" xmlns:a14="http://schemas.microsoft.com/office/drawing/2010/main">
                 <a:solidFill>
                   <a:srgbClr val="FFFFFF"/>
                 </a:solidFill>
@@ -231,7 +232,7 @@
             </a:ln>
             <a:extLst>
               <a:ext uri="{91240B29-F687-4f45-9708-019B960494DF}">
-                <a14:hiddenLine xmlns:a14="http://schemas.microsoft.com/office/drawing/2010/main" xmlns="" w="9525">
+                <a14:hiddenLine xmlns="" xmlns:a14="http://schemas.microsoft.com/office/drawing/2010/main" w="9525">
                   <a:solidFill>
                     <a:srgbClr val="000000"/>
                   </a:solidFill>
@@ -321,7 +322,7 @@
             </a:ln>
             <a:extLst>
               <a:ext uri="{91240B29-F687-4f45-9708-019B960494DF}">
-                <a14:hiddenLine xmlns:a14="http://schemas.microsoft.com/office/drawing/2010/main" xmlns="" w="9525">
+                <a14:hiddenLine xmlns="" xmlns:a14="http://schemas.microsoft.com/office/drawing/2010/main" w="9525">
                   <a:solidFill>
                     <a:srgbClr val="000000"/>
                   </a:solidFill>
@@ -411,7 +412,7 @@
             </a:ln>
             <a:extLst>
               <a:ext uri="{91240B29-F687-4f45-9708-019B960494DF}">
-                <a14:hiddenLine xmlns:a14="http://schemas.microsoft.com/office/drawing/2010/main" xmlns="" w="9525">
+                <a14:hiddenLine xmlns="" xmlns:a14="http://schemas.microsoft.com/office/drawing/2010/main" w="9525">
                   <a:solidFill>
                     <a:srgbClr val="000000"/>
                   </a:solidFill>
@@ -445,7 +446,7 @@
             </a:ln>
             <a:extLst>
               <a:ext uri="{91240B29-F687-4f45-9708-019B960494DF}">
-                <a14:hiddenLine xmlns:a14="http://schemas.microsoft.com/office/drawing/2010/main" xmlns="" w="9525">
+                <a14:hiddenLine xmlns="" xmlns:a14="http://schemas.microsoft.com/office/drawing/2010/main" w="9525">
                   <a:solidFill>
                     <a:srgbClr val="000000"/>
                   </a:solidFill>
@@ -535,7 +536,7 @@
             </a:ln>
             <a:extLst>
               <a:ext uri="{91240B29-F687-4f45-9708-019B960494DF}">
-                <a14:hiddenLine xmlns:a14="http://schemas.microsoft.com/office/drawing/2010/main" xmlns="" w="9525">
+                <a14:hiddenLine xmlns="" xmlns:a14="http://schemas.microsoft.com/office/drawing/2010/main" w="9525">
                   <a:solidFill>
                     <a:srgbClr val="000000"/>
                   </a:solidFill>
@@ -597,7 +598,7 @@
             </a:ln>
             <a:extLst>
               <a:ext uri="{91240B29-F687-4f45-9708-019B960494DF}">
-                <a14:hiddenLine xmlns:a14="http://schemas.microsoft.com/office/drawing/2010/main" xmlns="" w="9525">
+                <a14:hiddenLine xmlns="" xmlns:a14="http://schemas.microsoft.com/office/drawing/2010/main" w="9525">
                   <a:solidFill>
                     <a:srgbClr val="000000"/>
                   </a:solidFill>
@@ -659,7 +660,7 @@
             </a:ln>
             <a:extLst>
               <a:ext uri="{91240B29-F687-4f45-9708-019B960494DF}">
-                <a14:hiddenLine xmlns:a14="http://schemas.microsoft.com/office/drawing/2010/main" xmlns="" w="9525">
+                <a14:hiddenLine xmlns="" xmlns:a14="http://schemas.microsoft.com/office/drawing/2010/main" w="9525">
                   <a:solidFill>
                     <a:srgbClr val="000000"/>
                   </a:solidFill>
@@ -749,7 +750,7 @@
             </a:ln>
             <a:extLst>
               <a:ext uri="{91240B29-F687-4f45-9708-019B960494DF}">
-                <a14:hiddenLine xmlns:a14="http://schemas.microsoft.com/office/drawing/2010/main" xmlns="" w="9525">
+                <a14:hiddenLine xmlns="" xmlns:a14="http://schemas.microsoft.com/office/drawing/2010/main" w="9525">
                   <a:solidFill>
                     <a:srgbClr val="000000"/>
                   </a:solidFill>
@@ -811,7 +812,7 @@
             </a:ln>
             <a:extLst>
               <a:ext uri="{91240B29-F687-4f45-9708-019B960494DF}">
-                <a14:hiddenLine xmlns:a14="http://schemas.microsoft.com/office/drawing/2010/main" xmlns="" w="9525">
+                <a14:hiddenLine xmlns="" xmlns:a14="http://schemas.microsoft.com/office/drawing/2010/main" w="9525">
                   <a:solidFill>
                     <a:srgbClr val="000000"/>
                   </a:solidFill>
@@ -873,7 +874,7 @@
             </a:ln>
             <a:extLst>
               <a:ext uri="{91240B29-F687-4f45-9708-019B960494DF}">
-                <a14:hiddenLine xmlns:a14="http://schemas.microsoft.com/office/drawing/2010/main" xmlns="" w="9525">
+                <a14:hiddenLine xmlns="" xmlns:a14="http://schemas.microsoft.com/office/drawing/2010/main" w="9525">
                   <a:solidFill>
                     <a:srgbClr val="000000"/>
                   </a:solidFill>
@@ -963,7 +964,7 @@
             </a:ln>
             <a:extLst>
               <a:ext uri="{91240B29-F687-4f45-9708-019B960494DF}">
-                <a14:hiddenLine xmlns:a14="http://schemas.microsoft.com/office/drawing/2010/main" xmlns="" w="9525">
+                <a14:hiddenLine xmlns="" xmlns:a14="http://schemas.microsoft.com/office/drawing/2010/main" w="9525">
                   <a:solidFill>
                     <a:srgbClr val="000000"/>
                   </a:solidFill>
@@ -1053,7 +1054,7 @@
             </a:ln>
             <a:extLst>
               <a:ext uri="{91240B29-F687-4f45-9708-019B960494DF}">
-                <a14:hiddenLine xmlns:a14="http://schemas.microsoft.com/office/drawing/2010/main" xmlns="" w="9525">
+                <a14:hiddenLine xmlns="" xmlns:a14="http://schemas.microsoft.com/office/drawing/2010/main" w="9525">
                   <a:solidFill>
                     <a:srgbClr val="000000"/>
                   </a:solidFill>
@@ -1115,7 +1116,7 @@
             </a:ln>
             <a:extLst>
               <a:ext uri="{91240B29-F687-4f45-9708-019B960494DF}">
-                <a14:hiddenLine xmlns:a14="http://schemas.microsoft.com/office/drawing/2010/main" xmlns="" w="9525">
+                <a14:hiddenLine xmlns="" xmlns:a14="http://schemas.microsoft.com/office/drawing/2010/main" w="9525">
                   <a:solidFill>
                     <a:srgbClr val="000000"/>
                   </a:solidFill>
@@ -1225,7 +1226,7 @@
             </a:ln>
             <a:extLst>
               <a:ext uri="{91240B29-F687-4f45-9708-019B960494DF}">
-                <a14:hiddenLine xmlns:a14="http://schemas.microsoft.com/office/drawing/2010/main" xmlns="" w="9525">
+                <a14:hiddenLine xmlns="" xmlns:a14="http://schemas.microsoft.com/office/drawing/2010/main" w="9525">
                   <a:solidFill>
                     <a:srgbClr val="000000"/>
                   </a:solidFill>
@@ -1287,7 +1288,7 @@
             </a:ln>
             <a:extLst>
               <a:ext uri="{91240B29-F687-4f45-9708-019B960494DF}">
-                <a14:hiddenLine xmlns:a14="http://schemas.microsoft.com/office/drawing/2010/main" xmlns="" w="9525">
+                <a14:hiddenLine xmlns="" xmlns:a14="http://schemas.microsoft.com/office/drawing/2010/main" w="9525">
                   <a:solidFill>
                     <a:srgbClr val="000000"/>
                   </a:solidFill>
@@ -1377,7 +1378,7 @@
             </a:ln>
             <a:extLst>
               <a:ext uri="{91240B29-F687-4f45-9708-019B960494DF}">
-                <a14:hiddenLine xmlns:a14="http://schemas.microsoft.com/office/drawing/2010/main" xmlns="" w="9525">
+                <a14:hiddenLine xmlns="" xmlns:a14="http://schemas.microsoft.com/office/drawing/2010/main" w="9525">
                   <a:solidFill>
                     <a:srgbClr val="000000"/>
                   </a:solidFill>
@@ -1467,7 +1468,7 @@
             </a:ln>
             <a:extLst>
               <a:ext uri="{91240B29-F687-4f45-9708-019B960494DF}">
-                <a14:hiddenLine xmlns:a14="http://schemas.microsoft.com/office/drawing/2010/main" xmlns="" w="9525">
+                <a14:hiddenLine xmlns="" xmlns:a14="http://schemas.microsoft.com/office/drawing/2010/main" w="9525">
                   <a:solidFill>
                     <a:srgbClr val="000000"/>
                   </a:solidFill>
@@ -1529,7 +1530,7 @@
             </a:ln>
             <a:extLst>
               <a:ext uri="{91240B29-F687-4f45-9708-019B960494DF}">
-                <a14:hiddenLine xmlns:a14="http://schemas.microsoft.com/office/drawing/2010/main" xmlns="" w="9525">
+                <a14:hiddenLine xmlns="" xmlns:a14="http://schemas.microsoft.com/office/drawing/2010/main" w="9525">
                   <a:solidFill>
                     <a:srgbClr val="000000"/>
                   </a:solidFill>
@@ -1619,7 +1620,7 @@
             </a:ln>
             <a:extLst>
               <a:ext uri="{91240B29-F687-4f45-9708-019B960494DF}">
-                <a14:hiddenLine xmlns:a14="http://schemas.microsoft.com/office/drawing/2010/main" xmlns="" w="9525">
+                <a14:hiddenLine xmlns="" xmlns:a14="http://schemas.microsoft.com/office/drawing/2010/main" w="9525">
                   <a:solidFill>
                     <a:srgbClr val="000000"/>
                   </a:solidFill>
@@ -1709,7 +1710,7 @@
             </a:ln>
             <a:extLst>
               <a:ext uri="{91240B29-F687-4f45-9708-019B960494DF}">
-                <a14:hiddenLine xmlns:a14="http://schemas.microsoft.com/office/drawing/2010/main" xmlns="" w="9525">
+                <a14:hiddenLine xmlns="" xmlns:a14="http://schemas.microsoft.com/office/drawing/2010/main" w="9525">
                   <a:solidFill>
                     <a:srgbClr val="000000"/>
                   </a:solidFill>
@@ -1765,7 +1766,7 @@
             </a:ln>
             <a:extLst>
               <a:ext uri="{91240B29-F687-4f45-9708-019B960494DF}">
-                <a14:hiddenLine xmlns:a14="http://schemas.microsoft.com/office/drawing/2010/main" xmlns="" w="9525">
+                <a14:hiddenLine xmlns="" xmlns:a14="http://schemas.microsoft.com/office/drawing/2010/main" w="9525">
                   <a:solidFill>
                     <a:srgbClr val="000000"/>
                   </a:solidFill>
@@ -1855,7 +1856,7 @@
             </a:ln>
             <a:extLst>
               <a:ext uri="{91240B29-F687-4f45-9708-019B960494DF}">
-                <a14:hiddenLine xmlns:a14="http://schemas.microsoft.com/office/drawing/2010/main" xmlns="" w="9525">
+                <a14:hiddenLine xmlns="" xmlns:a14="http://schemas.microsoft.com/office/drawing/2010/main" w="9525">
                   <a:solidFill>
                     <a:srgbClr val="000000"/>
                   </a:solidFill>
@@ -1911,7 +1912,7 @@
             </a:ln>
             <a:extLst>
               <a:ext uri="{91240B29-F687-4f45-9708-019B960494DF}">
-                <a14:hiddenLine xmlns:a14="http://schemas.microsoft.com/office/drawing/2010/main" xmlns="" w="9525">
+                <a14:hiddenLine xmlns="" xmlns:a14="http://schemas.microsoft.com/office/drawing/2010/main" w="9525">
                   <a:solidFill>
                     <a:srgbClr val="000000"/>
                   </a:solidFill>
@@ -2001,7 +2002,7 @@
             </a:ln>
             <a:extLst>
               <a:ext uri="{91240B29-F687-4f45-9708-019B960494DF}">
-                <a14:hiddenLine xmlns:a14="http://schemas.microsoft.com/office/drawing/2010/main" xmlns="" w="9525">
+                <a14:hiddenLine xmlns="" xmlns:a14="http://schemas.microsoft.com/office/drawing/2010/main" w="9525">
                   <a:solidFill>
                     <a:srgbClr val="000000"/>
                   </a:solidFill>
@@ -2069,7 +2070,7 @@
             </a:ln>
             <a:extLst>
               <a:ext uri="{91240B29-F687-4f45-9708-019B960494DF}">
-                <a14:hiddenLine xmlns:a14="http://schemas.microsoft.com/office/drawing/2010/main" xmlns="" w="9525">
+                <a14:hiddenLine xmlns="" xmlns:a14="http://schemas.microsoft.com/office/drawing/2010/main" w="9525">
                   <a:solidFill>
                     <a:srgbClr val="000000"/>
                   </a:solidFill>
@@ -2159,7 +2160,7 @@
             </a:ln>
             <a:extLst>
               <a:ext uri="{91240B29-F687-4f45-9708-019B960494DF}">
-                <a14:hiddenLine xmlns:a14="http://schemas.microsoft.com/office/drawing/2010/main" xmlns="" w="9525">
+                <a14:hiddenLine xmlns="" xmlns:a14="http://schemas.microsoft.com/office/drawing/2010/main" w="9525">
                   <a:solidFill>
                     <a:srgbClr val="000000"/>
                   </a:solidFill>
@@ -2227,7 +2228,7 @@
             </a:ln>
             <a:extLst>
               <a:ext uri="{91240B29-F687-4f45-9708-019B960494DF}">
-                <a14:hiddenLine xmlns:a14="http://schemas.microsoft.com/office/drawing/2010/main" xmlns="" w="9525">
+                <a14:hiddenLine xmlns="" xmlns:a14="http://schemas.microsoft.com/office/drawing/2010/main" w="9525">
                   <a:solidFill>
                     <a:srgbClr val="000000"/>
                   </a:solidFill>
@@ -2317,7 +2318,7 @@
             </a:ln>
             <a:extLst>
               <a:ext uri="{91240B29-F687-4f45-9708-019B960494DF}">
-                <a14:hiddenLine xmlns:a14="http://schemas.microsoft.com/office/drawing/2010/main" xmlns="" w="9525">
+                <a14:hiddenLine xmlns="" xmlns:a14="http://schemas.microsoft.com/office/drawing/2010/main" w="9525">
                   <a:solidFill>
                     <a:srgbClr val="000000"/>
                   </a:solidFill>
@@ -2351,7 +2352,7 @@
             </a:ln>
             <a:extLst>
               <a:ext uri="{91240B29-F687-4f45-9708-019B960494DF}">
-                <a14:hiddenLine xmlns:a14="http://schemas.microsoft.com/office/drawing/2010/main" xmlns="" w="9525">
+                <a14:hiddenLine xmlns="" xmlns:a14="http://schemas.microsoft.com/office/drawing/2010/main" w="9525">
                   <a:solidFill>
                     <a:srgbClr val="000000"/>
                   </a:solidFill>
@@ -2441,7 +2442,7 @@
             </a:ln>
             <a:extLst>
               <a:ext uri="{91240B29-F687-4f45-9708-019B960494DF}">
-                <a14:hiddenLine xmlns:a14="http://schemas.microsoft.com/office/drawing/2010/main" xmlns="" w="9525">
+                <a14:hiddenLine xmlns="" xmlns:a14="http://schemas.microsoft.com/office/drawing/2010/main" w="9525">
                   <a:solidFill>
                     <a:srgbClr val="000000"/>
                   </a:solidFill>
@@ -2503,7 +2504,7 @@
             </a:ln>
             <a:extLst>
               <a:ext uri="{91240B29-F687-4f45-9708-019B960494DF}">
-                <a14:hiddenLine xmlns:a14="http://schemas.microsoft.com/office/drawing/2010/main" xmlns="" w="9525">
+                <a14:hiddenLine xmlns="" xmlns:a14="http://schemas.microsoft.com/office/drawing/2010/main" w="9525">
                   <a:solidFill>
                     <a:srgbClr val="000000"/>
                   </a:solidFill>
@@ -2565,7 +2566,7 @@
             </a:ln>
             <a:extLst>
               <a:ext uri="{91240B29-F687-4f45-9708-019B960494DF}">
-                <a14:hiddenLine xmlns:a14="http://schemas.microsoft.com/office/drawing/2010/main" xmlns="" w="9525">
+                <a14:hiddenLine xmlns="" xmlns:a14="http://schemas.microsoft.com/office/drawing/2010/main" w="9525">
                   <a:solidFill>
                     <a:srgbClr val="000000"/>
                   </a:solidFill>
@@ -2655,7 +2656,7 @@
             </a:ln>
             <a:extLst>
               <a:ext uri="{91240B29-F687-4f45-9708-019B960494DF}">
-                <a14:hiddenLine xmlns:a14="http://schemas.microsoft.com/office/drawing/2010/main" xmlns="" w="9525">
+                <a14:hiddenLine xmlns="" xmlns:a14="http://schemas.microsoft.com/office/drawing/2010/main" w="9525">
                   <a:solidFill>
                     <a:srgbClr val="000000"/>
                   </a:solidFill>
@@ -2723,7 +2724,7 @@
             </a:ln>
             <a:extLst>
               <a:ext uri="{91240B29-F687-4f45-9708-019B960494DF}">
-                <a14:hiddenLine xmlns:a14="http://schemas.microsoft.com/office/drawing/2010/main" xmlns="" w="9525">
+                <a14:hiddenLine xmlns="" xmlns:a14="http://schemas.microsoft.com/office/drawing/2010/main" w="9525">
                   <a:solidFill>
                     <a:srgbClr val="000000"/>
                   </a:solidFill>
@@ -2785,7 +2786,7 @@
             </a:ln>
             <a:extLst>
               <a:ext uri="{91240B29-F687-4f45-9708-019B960494DF}">
-                <a14:hiddenLine xmlns:a14="http://schemas.microsoft.com/office/drawing/2010/main" xmlns="" w="9525">
+                <a14:hiddenLine xmlns="" xmlns:a14="http://schemas.microsoft.com/office/drawing/2010/main" w="9525">
                   <a:solidFill>
                     <a:srgbClr val="000000"/>
                   </a:solidFill>
@@ -2875,7 +2876,7 @@
             </a:ln>
             <a:extLst>
               <a:ext uri="{91240B29-F687-4f45-9708-019B960494DF}">
-                <a14:hiddenLine xmlns:a14="http://schemas.microsoft.com/office/drawing/2010/main" xmlns="" w="9525">
+                <a14:hiddenLine xmlns="" xmlns:a14="http://schemas.microsoft.com/office/drawing/2010/main" w="9525">
                   <a:solidFill>
                     <a:srgbClr val="000000"/>
                   </a:solidFill>
@@ -2937,7 +2938,7 @@
             </a:ln>
             <a:extLst>
               <a:ext uri="{91240B29-F687-4f45-9708-019B960494DF}">
-                <a14:hiddenLine xmlns:a14="http://schemas.microsoft.com/office/drawing/2010/main" xmlns="" w="9525">
+                <a14:hiddenLine xmlns="" xmlns:a14="http://schemas.microsoft.com/office/drawing/2010/main" w="9525">
                   <a:solidFill>
                     <a:srgbClr val="000000"/>
                   </a:solidFill>
@@ -3027,7 +3028,7 @@
             </a:ln>
             <a:extLst>
               <a:ext uri="{91240B29-F687-4f45-9708-019B960494DF}">
-                <a14:hiddenLine xmlns:a14="http://schemas.microsoft.com/office/drawing/2010/main" xmlns="" w="9525">
+                <a14:hiddenLine xmlns="" xmlns:a14="http://schemas.microsoft.com/office/drawing/2010/main" w="9525">
                   <a:solidFill>
                     <a:srgbClr val="000000"/>
                   </a:solidFill>
@@ -3089,7 +3090,7 @@
             </a:ln>
             <a:extLst>
               <a:ext uri="{91240B29-F687-4f45-9708-019B960494DF}">
-                <a14:hiddenLine xmlns:a14="http://schemas.microsoft.com/office/drawing/2010/main" xmlns="" w="9525">
+                <a14:hiddenLine xmlns="" xmlns:a14="http://schemas.microsoft.com/office/drawing/2010/main" w="9525">
                   <a:solidFill>
                     <a:srgbClr val="000000"/>
                   </a:solidFill>
@@ -3179,7 +3180,7 @@
             </a:ln>
             <a:extLst>
               <a:ext uri="{91240B29-F687-4f45-9708-019B960494DF}">
-                <a14:hiddenLine xmlns:a14="http://schemas.microsoft.com/office/drawing/2010/main" xmlns="" w="9525">
+                <a14:hiddenLine xmlns="" xmlns:a14="http://schemas.microsoft.com/office/drawing/2010/main" w="9525">
                   <a:solidFill>
                     <a:srgbClr val="000000"/>
                   </a:solidFill>
@@ -3213,7 +3214,7 @@
             </a:ln>
             <a:extLst>
               <a:ext uri="{91240B29-F687-4f45-9708-019B960494DF}">
-                <a14:hiddenLine xmlns:a14="http://schemas.microsoft.com/office/drawing/2010/main" xmlns="" w="9525">
+                <a14:hiddenLine xmlns="" xmlns:a14="http://schemas.microsoft.com/office/drawing/2010/main" w="9525">
                   <a:solidFill>
                     <a:srgbClr val="000000"/>
                   </a:solidFill>
@@ -3278,7 +3279,7 @@
             </a:ln>
             <a:extLst>
               <a:ext uri="{91240B29-F687-4f45-9708-019B960494DF}">
-                <a14:hiddenLine xmlns:a14="http://schemas.microsoft.com/office/drawing/2010/main" xmlns="" w="9525">
+                <a14:hiddenLine xmlns="" xmlns:a14="http://schemas.microsoft.com/office/drawing/2010/main" w="9525">
                   <a:solidFill>
                     <a:srgbClr val="000000"/>
                   </a:solidFill>
@@ -3368,7 +3369,7 @@
             </a:ln>
             <a:extLst>
               <a:ext uri="{91240B29-F687-4f45-9708-019B960494DF}">
-                <a14:hiddenLine xmlns:a14="http://schemas.microsoft.com/office/drawing/2010/main" xmlns="" w="9525">
+                <a14:hiddenLine xmlns="" xmlns:a14="http://schemas.microsoft.com/office/drawing/2010/main" w="9525">
                   <a:solidFill>
                     <a:srgbClr val="000000"/>
                   </a:solidFill>
@@ -3430,7 +3431,7 @@
             </a:ln>
             <a:extLst>
               <a:ext uri="{91240B29-F687-4f45-9708-019B960494DF}">
-                <a14:hiddenLine xmlns:a14="http://schemas.microsoft.com/office/drawing/2010/main" xmlns="" w="9525">
+                <a14:hiddenLine xmlns="" xmlns:a14="http://schemas.microsoft.com/office/drawing/2010/main" w="9525">
                   <a:solidFill>
                     <a:srgbClr val="000000"/>
                   </a:solidFill>
@@ -3520,7 +3521,7 @@
             </a:ln>
             <a:extLst>
               <a:ext uri="{91240B29-F687-4f45-9708-019B960494DF}">
-                <a14:hiddenLine xmlns:a14="http://schemas.microsoft.com/office/drawing/2010/main" xmlns="" w="9525">
+                <a14:hiddenLine xmlns="" xmlns:a14="http://schemas.microsoft.com/office/drawing/2010/main" w="9525">
                   <a:solidFill>
                     <a:srgbClr val="000000"/>
                   </a:solidFill>
@@ -3610,7 +3611,7 @@
             </a:ln>
             <a:extLst>
               <a:ext uri="{91240B29-F687-4f45-9708-019B960494DF}">
-                <a14:hiddenLine xmlns:a14="http://schemas.microsoft.com/office/drawing/2010/main" xmlns="" w="9525">
+                <a14:hiddenLine xmlns="" xmlns:a14="http://schemas.microsoft.com/office/drawing/2010/main" w="9525">
                   <a:solidFill>
                     <a:srgbClr val="000000"/>
                   </a:solidFill>
@@ -3675,7 +3676,7 @@
             </a:ln>
             <a:extLst>
               <a:ext uri="{91240B29-F687-4f45-9708-019B960494DF}">
-                <a14:hiddenLine xmlns:a14="http://schemas.microsoft.com/office/drawing/2010/main" xmlns="" w="9525">
+                <a14:hiddenLine xmlns="" xmlns:a14="http://schemas.microsoft.com/office/drawing/2010/main" w="9525">
                   <a:solidFill>
                     <a:srgbClr val="000000"/>
                   </a:solidFill>
@@ -3737,7 +3738,7 @@
             </a:ln>
             <a:extLst>
               <a:ext uri="{91240B29-F687-4f45-9708-019B960494DF}">
-                <a14:hiddenLine xmlns:a14="http://schemas.microsoft.com/office/drawing/2010/main" xmlns="" w="9525">
+                <a14:hiddenLine xmlns="" xmlns:a14="http://schemas.microsoft.com/office/drawing/2010/main" w="9525">
                   <a:solidFill>
                     <a:srgbClr val="000000"/>
                   </a:solidFill>
@@ -3827,7 +3828,7 @@
             </a:ln>
             <a:extLst>
               <a:ext uri="{91240B29-F687-4f45-9708-019B960494DF}">
-                <a14:hiddenLine xmlns:a14="http://schemas.microsoft.com/office/drawing/2010/main" xmlns="" w="9525">
+                <a14:hiddenLine xmlns="" xmlns:a14="http://schemas.microsoft.com/office/drawing/2010/main" w="9525">
                   <a:solidFill>
                     <a:srgbClr val="000000"/>
                   </a:solidFill>
@@ -3917,7 +3918,7 @@
             </a:ln>
             <a:extLst>
               <a:ext uri="{91240B29-F687-4f45-9708-019B960494DF}">
-                <a14:hiddenLine xmlns:a14="http://schemas.microsoft.com/office/drawing/2010/main" xmlns="" w="9525">
+                <a14:hiddenLine xmlns="" xmlns:a14="http://schemas.microsoft.com/office/drawing/2010/main" w="9525">
                   <a:solidFill>
                     <a:srgbClr val="000000"/>
                   </a:solidFill>
@@ -3979,7 +3980,7 @@
             </a:ln>
             <a:extLst>
               <a:ext uri="{91240B29-F687-4f45-9708-019B960494DF}">
-                <a14:hiddenLine xmlns:a14="http://schemas.microsoft.com/office/drawing/2010/main" xmlns="" w="9525">
+                <a14:hiddenLine xmlns="" xmlns:a14="http://schemas.microsoft.com/office/drawing/2010/main" w="9525">
                   <a:solidFill>
                     <a:srgbClr val="000000"/>
                   </a:solidFill>
@@ -4099,7 +4100,7 @@
             </a:ln>
             <a:extLst>
               <a:ext uri="{91240B29-F687-4f45-9708-019B960494DF}">
-                <a14:hiddenLine xmlns:a14="http://schemas.microsoft.com/office/drawing/2010/main" xmlns="" w="9525">
+                <a14:hiddenLine xmlns="" xmlns:a14="http://schemas.microsoft.com/office/drawing/2010/main" w="9525">
                   <a:solidFill>
                     <a:srgbClr val="000000"/>
                   </a:solidFill>
@@ -4167,7 +4168,7 @@
             </a:ln>
             <a:extLst>
               <a:ext uri="{91240B29-F687-4f45-9708-019B960494DF}">
-                <a14:hiddenLine xmlns:a14="http://schemas.microsoft.com/office/drawing/2010/main" xmlns="" w="9525">
+                <a14:hiddenLine xmlns="" xmlns:a14="http://schemas.microsoft.com/office/drawing/2010/main" w="9525">
                   <a:solidFill>
                     <a:srgbClr val="000000"/>
                   </a:solidFill>
@@ -4257,7 +4258,7 @@
             </a:ln>
             <a:extLst>
               <a:ext uri="{91240B29-F687-4f45-9708-019B960494DF}">
-                <a14:hiddenLine xmlns:a14="http://schemas.microsoft.com/office/drawing/2010/main" xmlns="" w="9525">
+                <a14:hiddenLine xmlns="" xmlns:a14="http://schemas.microsoft.com/office/drawing/2010/main" w="9525">
                   <a:solidFill>
                     <a:srgbClr val="000000"/>
                   </a:solidFill>
@@ -4397,7 +4398,7 @@
           <a:p>
             <a:fld id="{48A87A34-81AB-432B-8DAE-1953F412C126}" type="datetimeFigureOut">
               <a:rPr lang="en-US" dirty="0"/>
-              <a:t>6/3/2021</a:t>
+              <a:t>09-Jun-21</a:t>
             </a:fld>
             <a:endParaRPr lang="en-US" dirty="0"/>
           </a:p>
@@ -4659,7 +4660,7 @@
           <a:p>
             <a:fld id="{48A87A34-81AB-432B-8DAE-1953F412C126}" type="datetimeFigureOut">
               <a:rPr lang="en-US" dirty="0"/>
-              <a:t>6/3/2021</a:t>
+              <a:t>09-Jun-21</a:t>
             </a:fld>
             <a:endParaRPr lang="en-US" dirty="0"/>
           </a:p>
@@ -4850,7 +4851,7 @@
           <a:p>
             <a:fld id="{48A87A34-81AB-432B-8DAE-1953F412C126}" type="datetimeFigureOut">
               <a:rPr lang="en-US" dirty="0"/>
-              <a:t>6/3/2021</a:t>
+              <a:t>09-Jun-21</a:t>
             </a:fld>
             <a:endParaRPr lang="en-US" dirty="0"/>
           </a:p>
@@ -5108,7 +5109,7 @@
           <a:p>
             <a:fld id="{48A87A34-81AB-432B-8DAE-1953F412C126}" type="datetimeFigureOut">
               <a:rPr lang="en-US" dirty="0"/>
-              <a:t>6/3/2021</a:t>
+              <a:t>09-Jun-21</a:t>
             </a:fld>
             <a:endParaRPr lang="en-US" dirty="0"/>
           </a:p>
@@ -5537,7 +5538,7 @@
           <a:p>
             <a:fld id="{48A87A34-81AB-432B-8DAE-1953F412C126}" type="datetimeFigureOut">
               <a:rPr lang="en-US" dirty="0"/>
-              <a:t>6/3/2021</a:t>
+              <a:t>09-Jun-21</a:t>
             </a:fld>
             <a:endParaRPr lang="en-US" dirty="0"/>
           </a:p>
@@ -6078,7 +6079,7 @@
           <a:p>
             <a:fld id="{48A87A34-81AB-432B-8DAE-1953F412C126}" type="datetimeFigureOut">
               <a:rPr lang="en-US" dirty="0"/>
-              <a:t>6/3/2021</a:t>
+              <a:t>09-Jun-21</a:t>
             </a:fld>
             <a:endParaRPr lang="en-US" dirty="0"/>
           </a:p>
@@ -6793,7 +6794,7 @@
           <a:p>
             <a:fld id="{48A87A34-81AB-432B-8DAE-1953F412C126}" type="datetimeFigureOut">
               <a:rPr lang="en-US" dirty="0"/>
-              <a:t>6/3/2021</a:t>
+              <a:t>09-Jun-21</a:t>
             </a:fld>
             <a:endParaRPr lang="en-US" dirty="0"/>
           </a:p>
@@ -6958,7 +6959,7 @@
           <a:p>
             <a:fld id="{48A87A34-81AB-432B-8DAE-1953F412C126}" type="datetimeFigureOut">
               <a:rPr lang="en-US" dirty="0"/>
-              <a:t>6/3/2021</a:t>
+              <a:t>09-Jun-21</a:t>
             </a:fld>
             <a:endParaRPr lang="en-US" dirty="0"/>
           </a:p>
@@ -7133,7 +7134,7 @@
           <a:p>
             <a:fld id="{48A87A34-81AB-432B-8DAE-1953F412C126}" type="datetimeFigureOut">
               <a:rPr lang="en-US" dirty="0"/>
-              <a:t>6/3/2021</a:t>
+              <a:t>09-Jun-21</a:t>
             </a:fld>
             <a:endParaRPr lang="en-US" dirty="0"/>
           </a:p>
@@ -7298,7 +7299,7 @@
           <a:p>
             <a:fld id="{48A87A34-81AB-432B-8DAE-1953F412C126}" type="datetimeFigureOut">
               <a:rPr lang="en-US" dirty="0"/>
-              <a:t>6/3/2021</a:t>
+              <a:t>09-Jun-21</a:t>
             </a:fld>
             <a:endParaRPr lang="en-US" dirty="0"/>
           </a:p>
@@ -7543,7 +7544,7 @@
           <a:p>
             <a:fld id="{48A87A34-81AB-432B-8DAE-1953F412C126}" type="datetimeFigureOut">
               <a:rPr lang="en-US" dirty="0"/>
-              <a:t>6/3/2021</a:t>
+              <a:t>09-Jun-21</a:t>
             </a:fld>
             <a:endParaRPr lang="en-US" dirty="0"/>
           </a:p>
@@ -7770,7 +7771,7 @@
           <a:p>
             <a:fld id="{48A87A34-81AB-432B-8DAE-1953F412C126}" type="datetimeFigureOut">
               <a:rPr lang="en-US" dirty="0"/>
-              <a:t>6/3/2021</a:t>
+              <a:t>09-Jun-21</a:t>
             </a:fld>
             <a:endParaRPr lang="en-US" dirty="0"/>
           </a:p>
@@ -8146,7 +8147,7 @@
           <a:p>
             <a:fld id="{48A87A34-81AB-432B-8DAE-1953F412C126}" type="datetimeFigureOut">
               <a:rPr lang="en-US" dirty="0"/>
-              <a:t>6/3/2021</a:t>
+              <a:t>09-Jun-21</a:t>
             </a:fld>
             <a:endParaRPr lang="en-US" dirty="0"/>
           </a:p>
@@ -8259,7 +8260,7 @@
           <a:p>
             <a:fld id="{48A87A34-81AB-432B-8DAE-1953F412C126}" type="datetimeFigureOut">
               <a:rPr lang="en-US" dirty="0"/>
-              <a:t>6/3/2021</a:t>
+              <a:t>09-Jun-21</a:t>
             </a:fld>
             <a:endParaRPr lang="en-US" dirty="0"/>
           </a:p>
@@ -8349,7 +8350,7 @@
           <a:p>
             <a:fld id="{48A87A34-81AB-432B-8DAE-1953F412C126}" type="datetimeFigureOut">
               <a:rPr lang="en-US" dirty="0"/>
-              <a:t>6/3/2021</a:t>
+              <a:t>09-Jun-21</a:t>
             </a:fld>
             <a:endParaRPr lang="en-US" dirty="0"/>
           </a:p>
@@ -8593,7 +8594,7 @@
           <a:p>
             <a:fld id="{48A87A34-81AB-432B-8DAE-1953F412C126}" type="datetimeFigureOut">
               <a:rPr lang="en-US" dirty="0"/>
-              <a:t>6/3/2021</a:t>
+              <a:t>09-Jun-21</a:t>
             </a:fld>
             <a:endParaRPr lang="en-US" dirty="0"/>
           </a:p>
@@ -8868,7 +8869,7 @@
           <a:p>
             <a:fld id="{48A87A34-81AB-432B-8DAE-1953F412C126}" type="datetimeFigureOut">
               <a:rPr lang="en-US" dirty="0"/>
-              <a:t>6/3/2021</a:t>
+              <a:t>09-Jun-21</a:t>
             </a:fld>
             <a:endParaRPr lang="en-US" dirty="0"/>
           </a:p>
@@ -8979,7 +8980,7 @@
           <a:noFill/>
           <a:extLst>
             <a:ext uri="{909E8E84-426E-40dd-AFC4-6F175D3DCCD1}">
-              <a14:hiddenFill xmlns:a14="http://schemas.microsoft.com/office/drawing/2010/main" xmlns="">
+              <a14:hiddenFill xmlns="" xmlns:a14="http://schemas.microsoft.com/office/drawing/2010/main">
                 <a:solidFill>
                   <a:srgbClr val="FFFFFF"/>
                 </a:solidFill>
@@ -9053,7 +9054,7 @@
               </a:ln>
               <a:extLst>
                 <a:ext uri="{91240B29-F687-4f45-9708-019B960494DF}">
-                  <a14:hiddenLine xmlns:a14="http://schemas.microsoft.com/office/drawing/2010/main" xmlns="" w="9525">
+                  <a14:hiddenLine xmlns="" xmlns:a14="http://schemas.microsoft.com/office/drawing/2010/main" w="9525">
                     <a:solidFill>
                       <a:srgbClr val="000000"/>
                     </a:solidFill>
@@ -9143,7 +9144,7 @@
               </a:ln>
               <a:extLst>
                 <a:ext uri="{91240B29-F687-4f45-9708-019B960494DF}">
-                  <a14:hiddenLine xmlns:a14="http://schemas.microsoft.com/office/drawing/2010/main" xmlns="" w="9525">
+                  <a14:hiddenLine xmlns="" xmlns:a14="http://schemas.microsoft.com/office/drawing/2010/main" w="9525">
                     <a:solidFill>
                       <a:srgbClr val="000000"/>
                     </a:solidFill>
@@ -9233,7 +9234,7 @@
               </a:ln>
               <a:extLst>
                 <a:ext uri="{91240B29-F687-4f45-9708-019B960494DF}">
-                  <a14:hiddenLine xmlns:a14="http://schemas.microsoft.com/office/drawing/2010/main" xmlns="" w="9525">
+                  <a14:hiddenLine xmlns="" xmlns:a14="http://schemas.microsoft.com/office/drawing/2010/main" w="9525">
                     <a:solidFill>
                       <a:srgbClr val="000000"/>
                     </a:solidFill>
@@ -9295,7 +9296,7 @@
               </a:ln>
               <a:extLst>
                 <a:ext uri="{91240B29-F687-4f45-9708-019B960494DF}">
-                  <a14:hiddenLine xmlns:a14="http://schemas.microsoft.com/office/drawing/2010/main" xmlns="" w="9525">
+                  <a14:hiddenLine xmlns="" xmlns:a14="http://schemas.microsoft.com/office/drawing/2010/main" w="9525">
                     <a:solidFill>
                       <a:srgbClr val="000000"/>
                     </a:solidFill>
@@ -9385,7 +9386,7 @@
               </a:ln>
               <a:extLst>
                 <a:ext uri="{91240B29-F687-4f45-9708-019B960494DF}">
-                  <a14:hiddenLine xmlns:a14="http://schemas.microsoft.com/office/drawing/2010/main" xmlns="" w="9525">
+                  <a14:hiddenLine xmlns="" xmlns:a14="http://schemas.microsoft.com/office/drawing/2010/main" w="9525">
                     <a:solidFill>
                       <a:srgbClr val="000000"/>
                     </a:solidFill>
@@ -9447,7 +9448,7 @@
               </a:ln>
               <a:extLst>
                 <a:ext uri="{91240B29-F687-4f45-9708-019B960494DF}">
-                  <a14:hiddenLine xmlns:a14="http://schemas.microsoft.com/office/drawing/2010/main" xmlns="" w="9525">
+                  <a14:hiddenLine xmlns="" xmlns:a14="http://schemas.microsoft.com/office/drawing/2010/main" w="9525">
                     <a:solidFill>
                       <a:srgbClr val="000000"/>
                     </a:solidFill>
@@ -9509,7 +9510,7 @@
               </a:ln>
               <a:extLst>
                 <a:ext uri="{91240B29-F687-4f45-9708-019B960494DF}">
-                  <a14:hiddenLine xmlns:a14="http://schemas.microsoft.com/office/drawing/2010/main" xmlns="" w="9525">
+                  <a14:hiddenLine xmlns="" xmlns:a14="http://schemas.microsoft.com/office/drawing/2010/main" w="9525">
                     <a:solidFill>
                       <a:srgbClr val="000000"/>
                     </a:solidFill>
@@ -9599,7 +9600,7 @@
               </a:ln>
               <a:extLst>
                 <a:ext uri="{91240B29-F687-4f45-9708-019B960494DF}">
-                  <a14:hiddenLine xmlns:a14="http://schemas.microsoft.com/office/drawing/2010/main" xmlns="" w="9525">
+                  <a14:hiddenLine xmlns="" xmlns:a14="http://schemas.microsoft.com/office/drawing/2010/main" w="9525">
                     <a:solidFill>
                       <a:srgbClr val="000000"/>
                     </a:solidFill>
@@ -9689,7 +9690,7 @@
               </a:ln>
               <a:extLst>
                 <a:ext uri="{91240B29-F687-4f45-9708-019B960494DF}">
-                  <a14:hiddenLine xmlns:a14="http://schemas.microsoft.com/office/drawing/2010/main" xmlns="" w="9525">
+                  <a14:hiddenLine xmlns="" xmlns:a14="http://schemas.microsoft.com/office/drawing/2010/main" w="9525">
                     <a:solidFill>
                       <a:srgbClr val="000000"/>
                     </a:solidFill>
@@ -9751,7 +9752,7 @@
               </a:ln>
               <a:extLst>
                 <a:ext uri="{91240B29-F687-4f45-9708-019B960494DF}">
-                  <a14:hiddenLine xmlns:a14="http://schemas.microsoft.com/office/drawing/2010/main" xmlns="" w="9525">
+                  <a14:hiddenLine xmlns="" xmlns:a14="http://schemas.microsoft.com/office/drawing/2010/main" w="9525">
                     <a:solidFill>
                       <a:srgbClr val="000000"/>
                     </a:solidFill>
@@ -9861,7 +9862,7 @@
               </a:ln>
               <a:extLst>
                 <a:ext uri="{91240B29-F687-4f45-9708-019B960494DF}">
-                  <a14:hiddenLine xmlns:a14="http://schemas.microsoft.com/office/drawing/2010/main" xmlns="" w="9525">
+                  <a14:hiddenLine xmlns="" xmlns:a14="http://schemas.microsoft.com/office/drawing/2010/main" w="9525">
                     <a:solidFill>
                       <a:srgbClr val="000000"/>
                     </a:solidFill>
@@ -9945,7 +9946,7 @@
               </a:ln>
               <a:extLst>
                 <a:ext uri="{91240B29-F687-4f45-9708-019B960494DF}">
-                  <a14:hiddenLine xmlns:a14="http://schemas.microsoft.com/office/drawing/2010/main" xmlns="" w="9525">
+                  <a14:hiddenLine xmlns="" xmlns:a14="http://schemas.microsoft.com/office/drawing/2010/main" w="9525">
                     <a:solidFill>
                       <a:srgbClr val="000000"/>
                     </a:solidFill>
@@ -10007,7 +10008,7 @@
               </a:ln>
               <a:extLst>
                 <a:ext uri="{91240B29-F687-4f45-9708-019B960494DF}">
-                  <a14:hiddenLine xmlns:a14="http://schemas.microsoft.com/office/drawing/2010/main" xmlns="" w="9525">
+                  <a14:hiddenLine xmlns="" xmlns:a14="http://schemas.microsoft.com/office/drawing/2010/main" w="9525">
                     <a:solidFill>
                       <a:srgbClr val="000000"/>
                     </a:solidFill>
@@ -10069,7 +10070,7 @@
               </a:ln>
               <a:extLst>
                 <a:ext uri="{91240B29-F687-4f45-9708-019B960494DF}">
-                  <a14:hiddenLine xmlns:a14="http://schemas.microsoft.com/office/drawing/2010/main" xmlns="" w="9525">
+                  <a14:hiddenLine xmlns="" xmlns:a14="http://schemas.microsoft.com/office/drawing/2010/main" w="9525">
                     <a:solidFill>
                       <a:srgbClr val="000000"/>
                     </a:solidFill>
@@ -10159,7 +10160,7 @@
               </a:ln>
               <a:extLst>
                 <a:ext uri="{91240B29-F687-4f45-9708-019B960494DF}">
-                  <a14:hiddenLine xmlns:a14="http://schemas.microsoft.com/office/drawing/2010/main" xmlns="" w="9525">
+                  <a14:hiddenLine xmlns="" xmlns:a14="http://schemas.microsoft.com/office/drawing/2010/main" w="9525">
                     <a:solidFill>
                       <a:srgbClr val="000000"/>
                     </a:solidFill>
@@ -10193,7 +10194,7 @@
               </a:ln>
               <a:extLst>
                 <a:ext uri="{91240B29-F687-4f45-9708-019B960494DF}">
-                  <a14:hiddenLine xmlns:a14="http://schemas.microsoft.com/office/drawing/2010/main" xmlns="" w="9525">
+                  <a14:hiddenLine xmlns="" xmlns:a14="http://schemas.microsoft.com/office/drawing/2010/main" w="9525">
                     <a:solidFill>
                       <a:srgbClr val="000000"/>
                     </a:solidFill>
@@ -10258,7 +10259,7 @@
               </a:ln>
               <a:extLst>
                 <a:ext uri="{91240B29-F687-4f45-9708-019B960494DF}">
-                  <a14:hiddenLine xmlns:a14="http://schemas.microsoft.com/office/drawing/2010/main" xmlns="" w="9525">
+                  <a14:hiddenLine xmlns="" xmlns:a14="http://schemas.microsoft.com/office/drawing/2010/main" w="9525">
                     <a:solidFill>
                       <a:srgbClr val="000000"/>
                     </a:solidFill>
@@ -10348,7 +10349,7 @@
               </a:ln>
               <a:extLst>
                 <a:ext uri="{91240B29-F687-4f45-9708-019B960494DF}">
-                  <a14:hiddenLine xmlns:a14="http://schemas.microsoft.com/office/drawing/2010/main" xmlns="" w="9525">
+                  <a14:hiddenLine xmlns="" xmlns:a14="http://schemas.microsoft.com/office/drawing/2010/main" w="9525">
                     <a:solidFill>
                       <a:srgbClr val="000000"/>
                     </a:solidFill>
@@ -10410,7 +10411,7 @@
               </a:ln>
               <a:extLst>
                 <a:ext uri="{91240B29-F687-4f45-9708-019B960494DF}">
-                  <a14:hiddenLine xmlns:a14="http://schemas.microsoft.com/office/drawing/2010/main" xmlns="" w="9525">
+                  <a14:hiddenLine xmlns="" xmlns:a14="http://schemas.microsoft.com/office/drawing/2010/main" w="9525">
                     <a:solidFill>
                       <a:srgbClr val="000000"/>
                     </a:solidFill>
@@ -10500,7 +10501,7 @@
               </a:ln>
               <a:extLst>
                 <a:ext uri="{91240B29-F687-4f45-9708-019B960494DF}">
-                  <a14:hiddenLine xmlns:a14="http://schemas.microsoft.com/office/drawing/2010/main" xmlns="" w="9525">
+                  <a14:hiddenLine xmlns="" xmlns:a14="http://schemas.microsoft.com/office/drawing/2010/main" w="9525">
                     <a:solidFill>
                       <a:srgbClr val="000000"/>
                     </a:solidFill>
@@ -10565,7 +10566,7 @@
               </a:ln>
               <a:extLst>
                 <a:ext uri="{91240B29-F687-4f45-9708-019B960494DF}">
-                  <a14:hiddenLine xmlns:a14="http://schemas.microsoft.com/office/drawing/2010/main" xmlns="" w="9525">
+                  <a14:hiddenLine xmlns="" xmlns:a14="http://schemas.microsoft.com/office/drawing/2010/main" w="9525">
                     <a:solidFill>
                       <a:srgbClr val="000000"/>
                     </a:solidFill>
@@ -10627,7 +10628,7 @@
               </a:ln>
               <a:extLst>
                 <a:ext uri="{91240B29-F687-4f45-9708-019B960494DF}">
-                  <a14:hiddenLine xmlns:a14="http://schemas.microsoft.com/office/drawing/2010/main" xmlns="" w="9525">
+                  <a14:hiddenLine xmlns="" xmlns:a14="http://schemas.microsoft.com/office/drawing/2010/main" w="9525">
                     <a:solidFill>
                       <a:srgbClr val="000000"/>
                     </a:solidFill>
@@ -10717,7 +10718,7 @@
               </a:ln>
               <a:extLst>
                 <a:ext uri="{91240B29-F687-4f45-9708-019B960494DF}">
-                  <a14:hiddenLine xmlns:a14="http://schemas.microsoft.com/office/drawing/2010/main" xmlns="" w="9525">
+                  <a14:hiddenLine xmlns="" xmlns:a14="http://schemas.microsoft.com/office/drawing/2010/main" w="9525">
                     <a:solidFill>
                       <a:srgbClr val="000000"/>
                     </a:solidFill>
@@ -10807,7 +10808,7 @@
               </a:ln>
               <a:extLst>
                 <a:ext uri="{91240B29-F687-4f45-9708-019B960494DF}">
-                  <a14:hiddenLine xmlns:a14="http://schemas.microsoft.com/office/drawing/2010/main" xmlns="" w="9525">
+                  <a14:hiddenLine xmlns="" xmlns:a14="http://schemas.microsoft.com/office/drawing/2010/main" w="9525">
                     <a:solidFill>
                       <a:srgbClr val="000000"/>
                     </a:solidFill>
@@ -10872,7 +10873,7 @@
               </a:ln>
               <a:extLst>
                 <a:ext uri="{91240B29-F687-4f45-9708-019B960494DF}">
-                  <a14:hiddenLine xmlns:a14="http://schemas.microsoft.com/office/drawing/2010/main" xmlns="" w="9525">
+                  <a14:hiddenLine xmlns="" xmlns:a14="http://schemas.microsoft.com/office/drawing/2010/main" w="9525">
                     <a:solidFill>
                       <a:srgbClr val="000000"/>
                     </a:solidFill>
@@ -10992,7 +10993,7 @@
               </a:ln>
               <a:extLst>
                 <a:ext uri="{91240B29-F687-4f45-9708-019B960494DF}">
-                  <a14:hiddenLine xmlns:a14="http://schemas.microsoft.com/office/drawing/2010/main" xmlns="" w="9525">
+                  <a14:hiddenLine xmlns="" xmlns:a14="http://schemas.microsoft.com/office/drawing/2010/main" w="9525">
                     <a:solidFill>
                       <a:srgbClr val="000000"/>
                     </a:solidFill>
@@ -11090,7 +11091,7 @@
               </a:ln>
               <a:extLst>
                 <a:ext uri="{91240B29-F687-4f45-9708-019B960494DF}">
-                  <a14:hiddenLine xmlns:a14="http://schemas.microsoft.com/office/drawing/2010/main" xmlns="" w="9525">
+                  <a14:hiddenLine xmlns="" xmlns:a14="http://schemas.microsoft.com/office/drawing/2010/main" w="9525">
                     <a:solidFill>
                       <a:srgbClr val="000000"/>
                     </a:solidFill>
@@ -11205,7 +11206,7 @@
               </a:ln>
               <a:extLst>
                 <a:ext uri="{91240B29-F687-4f45-9708-019B960494DF}">
-                  <a14:hiddenLine xmlns:a14="http://schemas.microsoft.com/office/drawing/2010/main" xmlns="" w="9525">
+                  <a14:hiddenLine xmlns="" xmlns:a14="http://schemas.microsoft.com/office/drawing/2010/main" w="9525">
                     <a:solidFill>
                       <a:srgbClr val="000000"/>
                     </a:solidFill>
@@ -11295,7 +11296,7 @@
               </a:ln>
               <a:extLst>
                 <a:ext uri="{91240B29-F687-4f45-9708-019B960494DF}">
-                  <a14:hiddenLine xmlns:a14="http://schemas.microsoft.com/office/drawing/2010/main" xmlns="" w="9525">
+                  <a14:hiddenLine xmlns="" xmlns:a14="http://schemas.microsoft.com/office/drawing/2010/main" w="9525">
                     <a:solidFill>
                       <a:srgbClr val="000000"/>
                     </a:solidFill>
@@ -11360,7 +11361,7 @@
               </a:ln>
               <a:extLst>
                 <a:ext uri="{91240B29-F687-4f45-9708-019B960494DF}">
-                  <a14:hiddenLine xmlns:a14="http://schemas.microsoft.com/office/drawing/2010/main" xmlns="" w="9525">
+                  <a14:hiddenLine xmlns="" xmlns:a14="http://schemas.microsoft.com/office/drawing/2010/main" w="9525">
                     <a:solidFill>
                       <a:srgbClr val="000000"/>
                     </a:solidFill>
@@ -11450,7 +11451,7 @@
               </a:ln>
               <a:extLst>
                 <a:ext uri="{91240B29-F687-4f45-9708-019B960494DF}">
-                  <a14:hiddenLine xmlns:a14="http://schemas.microsoft.com/office/drawing/2010/main" xmlns="" w="9525">
+                  <a14:hiddenLine xmlns="" xmlns:a14="http://schemas.microsoft.com/office/drawing/2010/main" w="9525">
                     <a:solidFill>
                       <a:srgbClr val="000000"/>
                     </a:solidFill>
@@ -11518,7 +11519,7 @@
               </a:ln>
               <a:extLst>
                 <a:ext uri="{91240B29-F687-4f45-9708-019B960494DF}">
-                  <a14:hiddenLine xmlns:a14="http://schemas.microsoft.com/office/drawing/2010/main" xmlns="" w="9525">
+                  <a14:hiddenLine xmlns="" xmlns:a14="http://schemas.microsoft.com/office/drawing/2010/main" w="9525">
                     <a:solidFill>
                       <a:srgbClr val="000000"/>
                     </a:solidFill>
@@ -11608,7 +11609,7 @@
               </a:ln>
               <a:extLst>
                 <a:ext uri="{91240B29-F687-4f45-9708-019B960494DF}">
-                  <a14:hiddenLine xmlns:a14="http://schemas.microsoft.com/office/drawing/2010/main" xmlns="" w="9525">
+                  <a14:hiddenLine xmlns="" xmlns:a14="http://schemas.microsoft.com/office/drawing/2010/main" w="9525">
                     <a:solidFill>
                       <a:srgbClr val="000000"/>
                     </a:solidFill>
@@ -11676,7 +11677,7 @@
               </a:ln>
               <a:extLst>
                 <a:ext uri="{91240B29-F687-4f45-9708-019B960494DF}">
-                  <a14:hiddenLine xmlns:a14="http://schemas.microsoft.com/office/drawing/2010/main" xmlns="" w="9525">
+                  <a14:hiddenLine xmlns="" xmlns:a14="http://schemas.microsoft.com/office/drawing/2010/main" w="9525">
                     <a:solidFill>
                       <a:srgbClr val="000000"/>
                     </a:solidFill>
@@ -11766,7 +11767,7 @@
               </a:ln>
               <a:extLst>
                 <a:ext uri="{91240B29-F687-4f45-9708-019B960494DF}">
-                  <a14:hiddenLine xmlns:a14="http://schemas.microsoft.com/office/drawing/2010/main" xmlns="" w="9525">
+                  <a14:hiddenLine xmlns="" xmlns:a14="http://schemas.microsoft.com/office/drawing/2010/main" w="9525">
                     <a:solidFill>
                       <a:srgbClr val="000000"/>
                     </a:solidFill>
@@ -11800,7 +11801,7 @@
               </a:ln>
               <a:extLst>
                 <a:ext uri="{91240B29-F687-4f45-9708-019B960494DF}">
-                  <a14:hiddenLine xmlns:a14="http://schemas.microsoft.com/office/drawing/2010/main" xmlns="" w="9525">
+                  <a14:hiddenLine xmlns="" xmlns:a14="http://schemas.microsoft.com/office/drawing/2010/main" w="9525">
                     <a:solidFill>
                       <a:srgbClr val="000000"/>
                     </a:solidFill>
@@ -11941,7 +11942,7 @@
             <a:fld id="{48A87A34-81AB-432B-8DAE-1953F412C126}" type="datetimeFigureOut">
               <a:rPr lang="en-US" dirty="0"/>
               <a:pPr/>
-              <a:t>6/3/2021</a:t>
+              <a:t>09-Jun-21</a:t>
             </a:fld>
             <a:endParaRPr lang="en-US" dirty="0"/>
           </a:p>
@@ -12452,6 +12453,328 @@
           <p:cNvPr id="4" name="Title 1">
             <a:extLst>
               <a:ext uri="{FF2B5EF4-FFF2-40B4-BE49-F238E27FC236}">
+                <a16:creationId xmlns:a16="http://schemas.microsoft.com/office/drawing/2014/main" id="{862A82E4-B0D3-4A16-AB23-4157CA065EEE}"/>
+              </a:ext>
+            </a:extLst>
+          </p:cNvPr>
+          <p:cNvSpPr>
+            <a:spLocks noGrp="1"/>
+          </p:cNvSpPr>
+          <p:nvPr>
+            <p:ph type="title"/>
+          </p:nvPr>
+        </p:nvSpPr>
+        <p:spPr>
+          <a:xfrm>
+            <a:off x="954982" y="0"/>
+            <a:ext cx="9905998" cy="713132"/>
+          </a:xfrm>
+        </p:spPr>
+        <p:txBody>
+          <a:bodyPr/>
+          <a:lstStyle/>
+          <a:p>
+            <a:pPr algn="ctr"/>
+            <a:r>
+              <a:rPr lang="en-US" dirty="0" err="1"/>
+              <a:t>db</a:t>
+            </a:r>
+            <a:endParaRPr lang="en-US" dirty="0"/>
+          </a:p>
+        </p:txBody>
+      </p:sp>
+      <p:sp>
+        <p:nvSpPr>
+          <p:cNvPr id="5" name="TextBox 4">
+            <a:extLst>
+              <a:ext uri="{FF2B5EF4-FFF2-40B4-BE49-F238E27FC236}">
+                <a16:creationId xmlns:a16="http://schemas.microsoft.com/office/drawing/2014/main" id="{A3207247-49B9-4890-AD3E-5DB940002E89}"/>
+              </a:ext>
+            </a:extLst>
+          </p:cNvPr>
+          <p:cNvSpPr txBox="1"/>
+          <p:nvPr/>
+        </p:nvSpPr>
+        <p:spPr>
+          <a:xfrm>
+            <a:off x="3203942" y="4704207"/>
+            <a:ext cx="7950651" cy="338554"/>
+          </a:xfrm>
+          <a:prstGeom prst="rect">
+            <a:avLst/>
+          </a:prstGeom>
+          <a:noFill/>
+        </p:spPr>
+        <p:txBody>
+          <a:bodyPr wrap="square" rtlCol="0">
+            <a:spAutoFit/>
+          </a:bodyPr>
+          <a:lstStyle/>
+          <a:p>
+            <a:pPr marL="285750" indent="-285750">
+              <a:buClr>
+                <a:srgbClr val="FFFF00"/>
+              </a:buClr>
+              <a:buFont typeface="Arial" panose="020B0604020202020204" pitchFamily="34" charset="0"/>
+              <a:buChar char="•"/>
+            </a:pPr>
+            <a:r>
+              <a:rPr lang="en-US" sz="1600" dirty="0"/>
+              <a:t>SQL files.</a:t>
+            </a:r>
+          </a:p>
+        </p:txBody>
+      </p:sp>
+      <p:sp>
+        <p:nvSpPr>
+          <p:cNvPr id="6" name="TextBox 5">
+            <a:extLst>
+              <a:ext uri="{FF2B5EF4-FFF2-40B4-BE49-F238E27FC236}">
+                <a16:creationId xmlns:a16="http://schemas.microsoft.com/office/drawing/2014/main" id="{8938C56E-39BD-448F-8F21-3C20A0B06555}"/>
+              </a:ext>
+            </a:extLst>
+          </p:cNvPr>
+          <p:cNvSpPr txBox="1"/>
+          <p:nvPr/>
+        </p:nvSpPr>
+        <p:spPr>
+          <a:xfrm>
+            <a:off x="3203943" y="723616"/>
+            <a:ext cx="7950651" cy="338554"/>
+          </a:xfrm>
+          <a:prstGeom prst="rect">
+            <a:avLst/>
+          </a:prstGeom>
+          <a:noFill/>
+        </p:spPr>
+        <p:txBody>
+          <a:bodyPr wrap="square" rtlCol="0">
+            <a:spAutoFit/>
+          </a:bodyPr>
+          <a:lstStyle/>
+          <a:p>
+            <a:pPr marL="285750" indent="-285750">
+              <a:buClr>
+                <a:schemeClr val="accent4"/>
+              </a:buClr>
+              <a:buFont typeface="Arial" panose="020B0604020202020204" pitchFamily="34" charset="0"/>
+              <a:buChar char="•"/>
+            </a:pPr>
+            <a:r>
+              <a:rPr lang="en-US" sz="1600" dirty="0"/>
+              <a:t>Database configuration file. Sets up all needed dependencies, points scripts, creates beans.</a:t>
+            </a:r>
+          </a:p>
+        </p:txBody>
+      </p:sp>
+      <p:pic>
+        <p:nvPicPr>
+          <p:cNvPr id="8" name="Picture 7">
+            <a:extLst>
+              <a:ext uri="{FF2B5EF4-FFF2-40B4-BE49-F238E27FC236}">
+                <a16:creationId xmlns:a16="http://schemas.microsoft.com/office/drawing/2014/main" id="{5B2CCEFD-B678-431C-838F-DA756442E9A0}"/>
+              </a:ext>
+            </a:extLst>
+          </p:cNvPr>
+          <p:cNvPicPr>
+            <a:picLocks noChangeAspect="1"/>
+          </p:cNvPicPr>
+          <p:nvPr/>
+        </p:nvPicPr>
+        <p:blipFill>
+          <a:blip r:embed="rId2"/>
+          <a:stretch>
+            <a:fillRect/>
+          </a:stretch>
+        </p:blipFill>
+        <p:spPr>
+          <a:xfrm>
+            <a:off x="331707" y="995350"/>
+            <a:ext cx="2686425" cy="2600688"/>
+          </a:xfrm>
+          <a:prstGeom prst="rect">
+            <a:avLst/>
+          </a:prstGeom>
+        </p:spPr>
+      </p:pic>
+      <p:cxnSp>
+        <p:nvCxnSpPr>
+          <p:cNvPr id="10" name="Straight Connector 9">
+            <a:extLst>
+              <a:ext uri="{FF2B5EF4-FFF2-40B4-BE49-F238E27FC236}">
+                <a16:creationId xmlns:a16="http://schemas.microsoft.com/office/drawing/2014/main" id="{85D9A750-F08A-45C1-B4C1-9BAC4CD2DE7C}"/>
+              </a:ext>
+            </a:extLst>
+          </p:cNvPr>
+          <p:cNvCxnSpPr/>
+          <p:nvPr/>
+        </p:nvCxnSpPr>
+        <p:spPr>
+          <a:xfrm>
+            <a:off x="1344930" y="2204085"/>
+            <a:ext cx="0" cy="179070"/>
+          </a:xfrm>
+          <a:prstGeom prst="line">
+            <a:avLst/>
+          </a:prstGeom>
+          <a:ln w="19050">
+            <a:solidFill>
+              <a:schemeClr val="accent4"/>
+            </a:solidFill>
+          </a:ln>
+        </p:spPr>
+        <p:style>
+          <a:lnRef idx="1">
+            <a:schemeClr val="accent1"/>
+          </a:lnRef>
+          <a:fillRef idx="0">
+            <a:schemeClr val="accent1"/>
+          </a:fillRef>
+          <a:effectRef idx="0">
+            <a:schemeClr val="accent1"/>
+          </a:effectRef>
+          <a:fontRef idx="minor">
+            <a:schemeClr val="tx1"/>
+          </a:fontRef>
+        </p:style>
+      </p:cxnSp>
+      <p:cxnSp>
+        <p:nvCxnSpPr>
+          <p:cNvPr id="11" name="Straight Connector 10">
+            <a:extLst>
+              <a:ext uri="{FF2B5EF4-FFF2-40B4-BE49-F238E27FC236}">
+                <a16:creationId xmlns:a16="http://schemas.microsoft.com/office/drawing/2014/main" id="{5583A53D-F177-4A7A-8C65-EBC5519EEF23}"/>
+              </a:ext>
+            </a:extLst>
+          </p:cNvPr>
+          <p:cNvCxnSpPr>
+            <a:cxnSpLocks/>
+          </p:cNvCxnSpPr>
+          <p:nvPr/>
+        </p:nvCxnSpPr>
+        <p:spPr>
+          <a:xfrm>
+            <a:off x="1156335" y="2678430"/>
+            <a:ext cx="0" cy="422910"/>
+          </a:xfrm>
+          <a:prstGeom prst="line">
+            <a:avLst/>
+          </a:prstGeom>
+          <a:ln w="19050">
+            <a:solidFill>
+              <a:srgbClr val="FFFF00"/>
+            </a:solidFill>
+          </a:ln>
+        </p:spPr>
+        <p:style>
+          <a:lnRef idx="1">
+            <a:schemeClr val="accent1"/>
+          </a:lnRef>
+          <a:fillRef idx="0">
+            <a:schemeClr val="accent1"/>
+          </a:fillRef>
+          <a:effectRef idx="0">
+            <a:schemeClr val="accent1"/>
+          </a:effectRef>
+          <a:fontRef idx="minor">
+            <a:schemeClr val="tx1"/>
+          </a:fontRef>
+        </p:style>
+      </p:cxnSp>
+      <p:pic>
+        <p:nvPicPr>
+          <p:cNvPr id="14" name="Picture 13">
+            <a:extLst>
+              <a:ext uri="{FF2B5EF4-FFF2-40B4-BE49-F238E27FC236}">
+                <a16:creationId xmlns:a16="http://schemas.microsoft.com/office/drawing/2014/main" id="{477E318D-84DB-4B86-872C-FC4B547DC804}"/>
+              </a:ext>
+            </a:extLst>
+          </p:cNvPr>
+          <p:cNvPicPr>
+            <a:picLocks noChangeAspect="1"/>
+          </p:cNvPicPr>
+          <p:nvPr/>
+        </p:nvPicPr>
+        <p:blipFill>
+          <a:blip r:embed="rId3"/>
+          <a:stretch>
+            <a:fillRect/>
+          </a:stretch>
+        </p:blipFill>
+        <p:spPr>
+          <a:xfrm>
+            <a:off x="3329126" y="1138299"/>
+            <a:ext cx="4569037" cy="3451230"/>
+          </a:xfrm>
+          <a:prstGeom prst="rect">
+            <a:avLst/>
+          </a:prstGeom>
+        </p:spPr>
+      </p:pic>
+      <p:pic>
+        <p:nvPicPr>
+          <p:cNvPr id="16" name="Picture 15">
+            <a:extLst>
+              <a:ext uri="{FF2B5EF4-FFF2-40B4-BE49-F238E27FC236}">
+                <a16:creationId xmlns:a16="http://schemas.microsoft.com/office/drawing/2014/main" id="{E239C91E-80E8-4BD0-AA50-857F44A24082}"/>
+              </a:ext>
+            </a:extLst>
+          </p:cNvPr>
+          <p:cNvPicPr>
+            <a:picLocks noChangeAspect="1"/>
+          </p:cNvPicPr>
+          <p:nvPr/>
+        </p:nvPicPr>
+        <p:blipFill rotWithShape="1">
+          <a:blip r:embed="rId4"/>
+          <a:srcRect r="1590"/>
+          <a:stretch/>
+        </p:blipFill>
+        <p:spPr>
+          <a:xfrm>
+            <a:off x="3329126" y="5157440"/>
+            <a:ext cx="8788893" cy="831904"/>
+          </a:xfrm>
+          <a:prstGeom prst="rect">
+            <a:avLst/>
+          </a:prstGeom>
+        </p:spPr>
+      </p:pic>
+    </p:spTree>
+    <p:extLst>
+      <p:ext uri="{BB962C8B-B14F-4D97-AF65-F5344CB8AC3E}">
+        <p14:creationId xmlns:p14="http://schemas.microsoft.com/office/powerpoint/2010/main" val="3998317417"/>
+      </p:ext>
+    </p:extLst>
+  </p:cSld>
+  <p:clrMapOvr>
+    <a:masterClrMapping/>
+  </p:clrMapOvr>
+</p:sld>
+</file>
+
+<file path=ppt/slides/slide11.xml><?xml version="1.0" encoding="utf-8"?>
+<p:sld xmlns:a="http://schemas.openxmlformats.org/drawingml/2006/main" xmlns:r="http://schemas.openxmlformats.org/officeDocument/2006/relationships" xmlns:p="http://schemas.openxmlformats.org/presentationml/2006/main">
+  <p:cSld>
+    <p:spTree>
+      <p:nvGrpSpPr>
+        <p:cNvPr id="1" name=""/>
+        <p:cNvGrpSpPr/>
+        <p:nvPr/>
+      </p:nvGrpSpPr>
+      <p:grpSpPr>
+        <a:xfrm>
+          <a:off x="0" y="0"/>
+          <a:ext cx="0" cy="0"/>
+          <a:chOff x="0" y="0"/>
+          <a:chExt cx="0" cy="0"/>
+        </a:xfrm>
+      </p:grpSpPr>
+      <p:sp>
+        <p:nvSpPr>
+          <p:cNvPr id="4" name="Title 1">
+            <a:extLst>
+              <a:ext uri="{FF2B5EF4-FFF2-40B4-BE49-F238E27FC236}">
                 <a16:creationId xmlns:a16="http://schemas.microsoft.com/office/drawing/2014/main" id="{ECE76239-8A9D-400A-B032-3BEDF32E2B87}"/>
               </a:ext>
             </a:extLst>
@@ -13468,6 +13791,100 @@
             <a:pPr algn="ctr"/>
             <a:r>
               <a:rPr lang="en-US" dirty="0"/>
+              <a:t>Project architecture</a:t>
+            </a:r>
+          </a:p>
+        </p:txBody>
+      </p:sp>
+      <p:pic>
+        <p:nvPicPr>
+          <p:cNvPr id="4" name="Picture 3">
+            <a:extLst>
+              <a:ext uri="{FF2B5EF4-FFF2-40B4-BE49-F238E27FC236}">
+                <a16:creationId xmlns:a16="http://schemas.microsoft.com/office/drawing/2014/main" id="{14123105-4FD0-4301-AA8D-49C021734F96}"/>
+              </a:ext>
+            </a:extLst>
+          </p:cNvPr>
+          <p:cNvPicPr>
+            <a:picLocks noChangeAspect="1"/>
+          </p:cNvPicPr>
+          <p:nvPr/>
+        </p:nvPicPr>
+        <p:blipFill>
+          <a:blip r:embed="rId2"/>
+          <a:stretch>
+            <a:fillRect/>
+          </a:stretch>
+        </p:blipFill>
+        <p:spPr>
+          <a:xfrm>
+            <a:off x="1406236" y="821574"/>
+            <a:ext cx="9379527" cy="5627716"/>
+          </a:xfrm>
+          <a:prstGeom prst="rect">
+            <a:avLst/>
+          </a:prstGeom>
+        </p:spPr>
+      </p:pic>
+    </p:spTree>
+    <p:extLst>
+      <p:ext uri="{BB962C8B-B14F-4D97-AF65-F5344CB8AC3E}">
+        <p14:creationId xmlns:p14="http://schemas.microsoft.com/office/powerpoint/2010/main" val="898369242"/>
+      </p:ext>
+    </p:extLst>
+  </p:cSld>
+  <p:clrMapOvr>
+    <a:masterClrMapping/>
+  </p:clrMapOvr>
+</p:sld>
+</file>
+
+<file path=ppt/slides/slide5.xml><?xml version="1.0" encoding="utf-8"?>
+<p:sld xmlns:a="http://schemas.openxmlformats.org/drawingml/2006/main" xmlns:r="http://schemas.openxmlformats.org/officeDocument/2006/relationships" xmlns:p="http://schemas.openxmlformats.org/presentationml/2006/main">
+  <p:cSld>
+    <p:spTree>
+      <p:nvGrpSpPr>
+        <p:cNvPr id="1" name=""/>
+        <p:cNvGrpSpPr/>
+        <p:nvPr/>
+      </p:nvGrpSpPr>
+      <p:grpSpPr>
+        <a:xfrm>
+          <a:off x="0" y="0"/>
+          <a:ext cx="0" cy="0"/>
+          <a:chOff x="0" y="0"/>
+          <a:chExt cx="0" cy="0"/>
+        </a:xfrm>
+      </p:grpSpPr>
+      <p:sp>
+        <p:nvSpPr>
+          <p:cNvPr id="2" name="Title 1">
+            <a:extLst>
+              <a:ext uri="{FF2B5EF4-FFF2-40B4-BE49-F238E27FC236}">
+                <a16:creationId xmlns:a16="http://schemas.microsoft.com/office/drawing/2014/main" id="{AD6AC877-DBCA-4544-B2C4-52F8ECF275D3}"/>
+              </a:ext>
+            </a:extLst>
+          </p:cNvPr>
+          <p:cNvSpPr>
+            <a:spLocks noGrp="1"/>
+          </p:cNvSpPr>
+          <p:nvPr>
+            <p:ph type="title"/>
+          </p:nvPr>
+        </p:nvSpPr>
+        <p:spPr>
+          <a:xfrm>
+            <a:off x="954982" y="0"/>
+            <a:ext cx="9905998" cy="713132"/>
+          </a:xfrm>
+        </p:spPr>
+        <p:txBody>
+          <a:bodyPr/>
+          <a:lstStyle/>
+          <a:p>
+            <a:pPr algn="ctr"/>
+            <a:r>
+              <a:rPr lang="en-US" dirty="0"/>
               <a:t>WEB-app</a:t>
             </a:r>
           </a:p>
@@ -14193,7 +14610,7 @@
 </p:sld>
 </file>
 
-<file path=ppt/slides/slide5.xml><?xml version="1.0" encoding="utf-8"?>
+<file path=ppt/slides/slide6.xml><?xml version="1.0" encoding="utf-8"?>
 <p:sld xmlns:a="http://schemas.openxmlformats.org/drawingml/2006/main" xmlns:r="http://schemas.openxmlformats.org/officeDocument/2006/relationships" xmlns:p="http://schemas.openxmlformats.org/presentationml/2006/main">
   <p:cSld>
     <p:spTree>
@@ -15061,7 +15478,7 @@
 </p:sld>
 </file>
 
-<file path=ppt/slides/slide6.xml><?xml version="1.0" encoding="utf-8"?>
+<file path=ppt/slides/slide7.xml><?xml version="1.0" encoding="utf-8"?>
 <p:sld xmlns:a="http://schemas.openxmlformats.org/drawingml/2006/main" xmlns:r="http://schemas.openxmlformats.org/officeDocument/2006/relationships" xmlns:p="http://schemas.openxmlformats.org/presentationml/2006/main">
   <p:cSld>
     <p:spTree>
@@ -15740,7 +16157,7 @@
 </p:sld>
 </file>
 
-<file path=ppt/slides/slide7.xml><?xml version="1.0" encoding="utf-8"?>
+<file path=ppt/slides/slide8.xml><?xml version="1.0" encoding="utf-8"?>
 <p:sld xmlns:a="http://schemas.openxmlformats.org/drawingml/2006/main" xmlns:r="http://schemas.openxmlformats.org/officeDocument/2006/relationships" xmlns:p="http://schemas.openxmlformats.org/presentationml/2006/main">
   <p:cSld>
     <p:spTree>
@@ -15833,7 +16250,7 @@
 </p:sld>
 </file>
 
-<file path=ppt/slides/slide8.xml><?xml version="1.0" encoding="utf-8"?>
+<file path=ppt/slides/slide9.xml><?xml version="1.0" encoding="utf-8"?>
 <p:sld xmlns:a="http://schemas.openxmlformats.org/drawingml/2006/main" xmlns:r="http://schemas.openxmlformats.org/officeDocument/2006/relationships" xmlns:p="http://schemas.openxmlformats.org/presentationml/2006/main">
   <p:cSld>
     <p:spTree>
@@ -16254,328 +16671,6 @@
     <p:extLst>
       <p:ext uri="{BB962C8B-B14F-4D97-AF65-F5344CB8AC3E}">
         <p14:creationId xmlns:p14="http://schemas.microsoft.com/office/powerpoint/2010/main" val="2698899784"/>
-      </p:ext>
-    </p:extLst>
-  </p:cSld>
-  <p:clrMapOvr>
-    <a:masterClrMapping/>
-  </p:clrMapOvr>
-</p:sld>
-</file>
-
-<file path=ppt/slides/slide9.xml><?xml version="1.0" encoding="utf-8"?>
-<p:sld xmlns:a="http://schemas.openxmlformats.org/drawingml/2006/main" xmlns:r="http://schemas.openxmlformats.org/officeDocument/2006/relationships" xmlns:p="http://schemas.openxmlformats.org/presentationml/2006/main">
-  <p:cSld>
-    <p:spTree>
-      <p:nvGrpSpPr>
-        <p:cNvPr id="1" name=""/>
-        <p:cNvGrpSpPr/>
-        <p:nvPr/>
-      </p:nvGrpSpPr>
-      <p:grpSpPr>
-        <a:xfrm>
-          <a:off x="0" y="0"/>
-          <a:ext cx="0" cy="0"/>
-          <a:chOff x="0" y="0"/>
-          <a:chExt cx="0" cy="0"/>
-        </a:xfrm>
-      </p:grpSpPr>
-      <p:sp>
-        <p:nvSpPr>
-          <p:cNvPr id="4" name="Title 1">
-            <a:extLst>
-              <a:ext uri="{FF2B5EF4-FFF2-40B4-BE49-F238E27FC236}">
-                <a16:creationId xmlns:a16="http://schemas.microsoft.com/office/drawing/2014/main" id="{862A82E4-B0D3-4A16-AB23-4157CA065EEE}"/>
-              </a:ext>
-            </a:extLst>
-          </p:cNvPr>
-          <p:cNvSpPr>
-            <a:spLocks noGrp="1"/>
-          </p:cNvSpPr>
-          <p:nvPr>
-            <p:ph type="title"/>
-          </p:nvPr>
-        </p:nvSpPr>
-        <p:spPr>
-          <a:xfrm>
-            <a:off x="954982" y="0"/>
-            <a:ext cx="9905998" cy="713132"/>
-          </a:xfrm>
-        </p:spPr>
-        <p:txBody>
-          <a:bodyPr/>
-          <a:lstStyle/>
-          <a:p>
-            <a:pPr algn="ctr"/>
-            <a:r>
-              <a:rPr lang="en-US" dirty="0" err="1"/>
-              <a:t>db</a:t>
-            </a:r>
-            <a:endParaRPr lang="en-US" dirty="0"/>
-          </a:p>
-        </p:txBody>
-      </p:sp>
-      <p:sp>
-        <p:nvSpPr>
-          <p:cNvPr id="5" name="TextBox 4">
-            <a:extLst>
-              <a:ext uri="{FF2B5EF4-FFF2-40B4-BE49-F238E27FC236}">
-                <a16:creationId xmlns:a16="http://schemas.microsoft.com/office/drawing/2014/main" id="{A3207247-49B9-4890-AD3E-5DB940002E89}"/>
-              </a:ext>
-            </a:extLst>
-          </p:cNvPr>
-          <p:cNvSpPr txBox="1"/>
-          <p:nvPr/>
-        </p:nvSpPr>
-        <p:spPr>
-          <a:xfrm>
-            <a:off x="3203942" y="4704207"/>
-            <a:ext cx="7950651" cy="338554"/>
-          </a:xfrm>
-          <a:prstGeom prst="rect">
-            <a:avLst/>
-          </a:prstGeom>
-          <a:noFill/>
-        </p:spPr>
-        <p:txBody>
-          <a:bodyPr wrap="square" rtlCol="0">
-            <a:spAutoFit/>
-          </a:bodyPr>
-          <a:lstStyle/>
-          <a:p>
-            <a:pPr marL="285750" indent="-285750">
-              <a:buClr>
-                <a:srgbClr val="FFFF00"/>
-              </a:buClr>
-              <a:buFont typeface="Arial" panose="020B0604020202020204" pitchFamily="34" charset="0"/>
-              <a:buChar char="•"/>
-            </a:pPr>
-            <a:r>
-              <a:rPr lang="en-US" sz="1600" dirty="0"/>
-              <a:t>SQL files.</a:t>
-            </a:r>
-          </a:p>
-        </p:txBody>
-      </p:sp>
-      <p:sp>
-        <p:nvSpPr>
-          <p:cNvPr id="6" name="TextBox 5">
-            <a:extLst>
-              <a:ext uri="{FF2B5EF4-FFF2-40B4-BE49-F238E27FC236}">
-                <a16:creationId xmlns:a16="http://schemas.microsoft.com/office/drawing/2014/main" id="{8938C56E-39BD-448F-8F21-3C20A0B06555}"/>
-              </a:ext>
-            </a:extLst>
-          </p:cNvPr>
-          <p:cNvSpPr txBox="1"/>
-          <p:nvPr/>
-        </p:nvSpPr>
-        <p:spPr>
-          <a:xfrm>
-            <a:off x="3203943" y="723616"/>
-            <a:ext cx="7950651" cy="338554"/>
-          </a:xfrm>
-          <a:prstGeom prst="rect">
-            <a:avLst/>
-          </a:prstGeom>
-          <a:noFill/>
-        </p:spPr>
-        <p:txBody>
-          <a:bodyPr wrap="square" rtlCol="0">
-            <a:spAutoFit/>
-          </a:bodyPr>
-          <a:lstStyle/>
-          <a:p>
-            <a:pPr marL="285750" indent="-285750">
-              <a:buClr>
-                <a:schemeClr val="accent4"/>
-              </a:buClr>
-              <a:buFont typeface="Arial" panose="020B0604020202020204" pitchFamily="34" charset="0"/>
-              <a:buChar char="•"/>
-            </a:pPr>
-            <a:r>
-              <a:rPr lang="en-US" sz="1600" dirty="0"/>
-              <a:t>Database configuration file. Sets up all needed dependencies, points scripts, creates beans.</a:t>
-            </a:r>
-          </a:p>
-        </p:txBody>
-      </p:sp>
-      <p:pic>
-        <p:nvPicPr>
-          <p:cNvPr id="8" name="Picture 7">
-            <a:extLst>
-              <a:ext uri="{FF2B5EF4-FFF2-40B4-BE49-F238E27FC236}">
-                <a16:creationId xmlns:a16="http://schemas.microsoft.com/office/drawing/2014/main" id="{5B2CCEFD-B678-431C-838F-DA756442E9A0}"/>
-              </a:ext>
-            </a:extLst>
-          </p:cNvPr>
-          <p:cNvPicPr>
-            <a:picLocks noChangeAspect="1"/>
-          </p:cNvPicPr>
-          <p:nvPr/>
-        </p:nvPicPr>
-        <p:blipFill>
-          <a:blip r:embed="rId2"/>
-          <a:stretch>
-            <a:fillRect/>
-          </a:stretch>
-        </p:blipFill>
-        <p:spPr>
-          <a:xfrm>
-            <a:off x="331707" y="995350"/>
-            <a:ext cx="2686425" cy="2600688"/>
-          </a:xfrm>
-          <a:prstGeom prst="rect">
-            <a:avLst/>
-          </a:prstGeom>
-        </p:spPr>
-      </p:pic>
-      <p:cxnSp>
-        <p:nvCxnSpPr>
-          <p:cNvPr id="10" name="Straight Connector 9">
-            <a:extLst>
-              <a:ext uri="{FF2B5EF4-FFF2-40B4-BE49-F238E27FC236}">
-                <a16:creationId xmlns:a16="http://schemas.microsoft.com/office/drawing/2014/main" id="{85D9A750-F08A-45C1-B4C1-9BAC4CD2DE7C}"/>
-              </a:ext>
-            </a:extLst>
-          </p:cNvPr>
-          <p:cNvCxnSpPr/>
-          <p:nvPr/>
-        </p:nvCxnSpPr>
-        <p:spPr>
-          <a:xfrm>
-            <a:off x="1344930" y="2204085"/>
-            <a:ext cx="0" cy="179070"/>
-          </a:xfrm>
-          <a:prstGeom prst="line">
-            <a:avLst/>
-          </a:prstGeom>
-          <a:ln w="19050">
-            <a:solidFill>
-              <a:schemeClr val="accent4"/>
-            </a:solidFill>
-          </a:ln>
-        </p:spPr>
-        <p:style>
-          <a:lnRef idx="1">
-            <a:schemeClr val="accent1"/>
-          </a:lnRef>
-          <a:fillRef idx="0">
-            <a:schemeClr val="accent1"/>
-          </a:fillRef>
-          <a:effectRef idx="0">
-            <a:schemeClr val="accent1"/>
-          </a:effectRef>
-          <a:fontRef idx="minor">
-            <a:schemeClr val="tx1"/>
-          </a:fontRef>
-        </p:style>
-      </p:cxnSp>
-      <p:cxnSp>
-        <p:nvCxnSpPr>
-          <p:cNvPr id="11" name="Straight Connector 10">
-            <a:extLst>
-              <a:ext uri="{FF2B5EF4-FFF2-40B4-BE49-F238E27FC236}">
-                <a16:creationId xmlns:a16="http://schemas.microsoft.com/office/drawing/2014/main" id="{5583A53D-F177-4A7A-8C65-EBC5519EEF23}"/>
-              </a:ext>
-            </a:extLst>
-          </p:cNvPr>
-          <p:cNvCxnSpPr>
-            <a:cxnSpLocks/>
-          </p:cNvCxnSpPr>
-          <p:nvPr/>
-        </p:nvCxnSpPr>
-        <p:spPr>
-          <a:xfrm>
-            <a:off x="1156335" y="2678430"/>
-            <a:ext cx="0" cy="422910"/>
-          </a:xfrm>
-          <a:prstGeom prst="line">
-            <a:avLst/>
-          </a:prstGeom>
-          <a:ln w="19050">
-            <a:solidFill>
-              <a:srgbClr val="FFFF00"/>
-            </a:solidFill>
-          </a:ln>
-        </p:spPr>
-        <p:style>
-          <a:lnRef idx="1">
-            <a:schemeClr val="accent1"/>
-          </a:lnRef>
-          <a:fillRef idx="0">
-            <a:schemeClr val="accent1"/>
-          </a:fillRef>
-          <a:effectRef idx="0">
-            <a:schemeClr val="accent1"/>
-          </a:effectRef>
-          <a:fontRef idx="minor">
-            <a:schemeClr val="tx1"/>
-          </a:fontRef>
-        </p:style>
-      </p:cxnSp>
-      <p:pic>
-        <p:nvPicPr>
-          <p:cNvPr id="14" name="Picture 13">
-            <a:extLst>
-              <a:ext uri="{FF2B5EF4-FFF2-40B4-BE49-F238E27FC236}">
-                <a16:creationId xmlns:a16="http://schemas.microsoft.com/office/drawing/2014/main" id="{477E318D-84DB-4B86-872C-FC4B547DC804}"/>
-              </a:ext>
-            </a:extLst>
-          </p:cNvPr>
-          <p:cNvPicPr>
-            <a:picLocks noChangeAspect="1"/>
-          </p:cNvPicPr>
-          <p:nvPr/>
-        </p:nvPicPr>
-        <p:blipFill>
-          <a:blip r:embed="rId3"/>
-          <a:stretch>
-            <a:fillRect/>
-          </a:stretch>
-        </p:blipFill>
-        <p:spPr>
-          <a:xfrm>
-            <a:off x="3329126" y="1138299"/>
-            <a:ext cx="4569037" cy="3451230"/>
-          </a:xfrm>
-          <a:prstGeom prst="rect">
-            <a:avLst/>
-          </a:prstGeom>
-        </p:spPr>
-      </p:pic>
-      <p:pic>
-        <p:nvPicPr>
-          <p:cNvPr id="16" name="Picture 15">
-            <a:extLst>
-              <a:ext uri="{FF2B5EF4-FFF2-40B4-BE49-F238E27FC236}">
-                <a16:creationId xmlns:a16="http://schemas.microsoft.com/office/drawing/2014/main" id="{E239C91E-80E8-4BD0-AA50-857F44A24082}"/>
-              </a:ext>
-            </a:extLst>
-          </p:cNvPr>
-          <p:cNvPicPr>
-            <a:picLocks noChangeAspect="1"/>
-          </p:cNvPicPr>
-          <p:nvPr/>
-        </p:nvPicPr>
-        <p:blipFill rotWithShape="1">
-          <a:blip r:embed="rId4"/>
-          <a:srcRect r="1590"/>
-          <a:stretch/>
-        </p:blipFill>
-        <p:spPr>
-          <a:xfrm>
-            <a:off x="3329126" y="5157440"/>
-            <a:ext cx="8788893" cy="831904"/>
-          </a:xfrm>
-          <a:prstGeom prst="rect">
-            <a:avLst/>
-          </a:prstGeom>
-        </p:spPr>
-      </p:pic>
-    </p:spTree>
-    <p:extLst>
-      <p:ext uri="{BB962C8B-B14F-4D97-AF65-F5344CB8AC3E}">
-        <p14:creationId xmlns:p14="http://schemas.microsoft.com/office/powerpoint/2010/main" val="3998317417"/>
       </p:ext>
     </p:extLst>
   </p:cSld>
